--- a/溶解度计算原理.pptx
+++ b/溶解度计算原理.pptx
@@ -14,7 +14,8 @@
     <p:sldId id="261" r:id="rId8"/>
     <p:sldId id="262" r:id="rId9"/>
     <p:sldId id="264" r:id="rId10"/>
-    <p:sldId id="266" r:id="rId11"/>
+    <p:sldId id="267" r:id="rId11"/>
+    <p:sldId id="266" r:id="rId12"/>
   </p:sldIdLst>
   <p:sldSz cx="12192000" cy="6858000"/>
   <p:notesSz cx="6858000" cy="9144000"/>
@@ -3358,7 +3359,14 @@
           <a:p>
             <a:r>
               <a:rPr lang="zh-CN" altLang="en-US" dirty="0"/>
-              <a:t>溶解度曲线计算原理</a:t>
+              <a:t>二盐溶液溶解度曲面的</a:t>
+            </a:r>
+            <a:br>
+              <a:rPr lang="en-US" altLang="zh-CN" dirty="0"/>
+            </a:br>
+            <a:r>
+              <a:rPr lang="zh-CN" altLang="en-US" dirty="0"/>
+              <a:t>简捷算法</a:t>
             </a:r>
           </a:p>
         </p:txBody>
@@ -3388,7 +3396,7 @@
           <a:p>
             <a:r>
               <a:rPr lang="zh-CN" altLang="en-US" dirty="0"/>
-              <a:t>孙国铭</a:t>
+              <a:t>孙国铭 李泽健</a:t>
             </a:r>
             <a:endParaRPr lang="en-US" altLang="zh-CN" dirty="0"/>
           </a:p>
@@ -3466,6 +3474,114 @@
       </p:grpSpPr>
       <p:sp>
         <p:nvSpPr>
+          <p:cNvPr id="2" name="标题 1">
+            <a:extLst>
+              <a:ext uri="{FF2B5EF4-FFF2-40B4-BE49-F238E27FC236}">
+                <a16:creationId xmlns:a16="http://schemas.microsoft.com/office/drawing/2014/main" id="{29198E35-89A9-4D5C-9FE6-C4DAB629BE10}"/>
+              </a:ext>
+            </a:extLst>
+          </p:cNvPr>
+          <p:cNvSpPr>
+            <a:spLocks noGrp="1"/>
+          </p:cNvSpPr>
+          <p:nvPr>
+            <p:ph type="title"/>
+          </p:nvPr>
+        </p:nvSpPr>
+        <p:spPr/>
+        <p:txBody>
+          <a:bodyPr/>
+          <a:lstStyle/>
+          <a:p>
+            <a:r>
+              <a:rPr lang="zh-CN" altLang="en-US" dirty="0"/>
+              <a:t>结论和展望</a:t>
+            </a:r>
+          </a:p>
+        </p:txBody>
+      </p:sp>
+      <p:sp>
+        <p:nvSpPr>
+          <p:cNvPr id="3" name="内容占位符 2">
+            <a:extLst>
+              <a:ext uri="{FF2B5EF4-FFF2-40B4-BE49-F238E27FC236}">
+                <a16:creationId xmlns:a16="http://schemas.microsoft.com/office/drawing/2014/main" id="{FAEA8EC9-6A09-489A-9987-B6B1B511A73D}"/>
+              </a:ext>
+            </a:extLst>
+          </p:cNvPr>
+          <p:cNvSpPr>
+            <a:spLocks noGrp="1"/>
+          </p:cNvSpPr>
+          <p:nvPr>
+            <p:ph idx="1"/>
+          </p:nvPr>
+        </p:nvSpPr>
+        <p:spPr/>
+        <p:txBody>
+          <a:bodyPr/>
+          <a:lstStyle/>
+          <a:p>
+            <a:r>
+              <a:rPr lang="zh-CN" altLang="en-US" dirty="0"/>
+              <a:t>计算效果很好</a:t>
+            </a:r>
+            <a:endParaRPr lang="en-US" altLang="zh-CN" dirty="0"/>
+          </a:p>
+          <a:p>
+            <a:r>
+              <a:rPr lang="zh-CN" altLang="en-US" dirty="0"/>
+              <a:t>这种方法使用简单的数据，简洁的模型，得到了与模拟软件精确计算相差无几的结果</a:t>
+            </a:r>
+            <a:endParaRPr lang="en-US" altLang="zh-CN" dirty="0"/>
+          </a:p>
+          <a:p>
+            <a:r>
+              <a:rPr lang="zh-CN" altLang="en-US" dirty="0"/>
+              <a:t>因此没有继续使用活度系数模型完善这部分工作</a:t>
+            </a:r>
+            <a:endParaRPr lang="en-US" altLang="zh-CN" dirty="0"/>
+          </a:p>
+          <a:p>
+            <a:r>
+              <a:rPr lang="zh-CN" altLang="en-US" dirty="0"/>
+              <a:t>如果后续继续完善的话，将活度系数模型引入，用活度代替现在工作中所有的浓度，可以得到更准确的结果。相应的，计算代价也会变大很多</a:t>
+            </a:r>
+            <a:endParaRPr lang="en-US" altLang="zh-CN" dirty="0"/>
+          </a:p>
+        </p:txBody>
+      </p:sp>
+    </p:spTree>
+    <p:extLst>
+      <p:ext uri="{BB962C8B-B14F-4D97-AF65-F5344CB8AC3E}">
+        <p14:creationId xmlns:p14="http://schemas.microsoft.com/office/powerpoint/2010/main" val="409988878"/>
+      </p:ext>
+    </p:extLst>
+  </p:cSld>
+  <p:clrMapOvr>
+    <a:masterClrMapping/>
+  </p:clrMapOvr>
+</p:sld>
+</file>
+
+<file path=ppt/slides/slide11.xml><?xml version="1.0" encoding="utf-8"?>
+<p:sld xmlns:a="http://schemas.openxmlformats.org/drawingml/2006/main" xmlns:r="http://schemas.openxmlformats.org/officeDocument/2006/relationships" xmlns:p="http://schemas.openxmlformats.org/presentationml/2006/main">
+  <p:cSld>
+    <p:spTree>
+      <p:nvGrpSpPr>
+        <p:cNvPr id="1" name=""/>
+        <p:cNvGrpSpPr/>
+        <p:nvPr/>
+      </p:nvGrpSpPr>
+      <p:grpSpPr>
+        <a:xfrm>
+          <a:off x="0" y="0"/>
+          <a:ext cx="0" cy="0"/>
+          <a:chOff x="0" y="0"/>
+          <a:chExt cx="0" cy="0"/>
+        </a:xfrm>
+      </p:grpSpPr>
+      <p:sp>
+        <p:nvSpPr>
           <p:cNvPr id="4" name="文本框 3">
             <a:extLst>
               <a:ext uri="{FF2B5EF4-FFF2-40B4-BE49-F238E27FC236}">
@@ -3478,7 +3594,7 @@
         </p:nvSpPr>
         <p:spPr>
           <a:xfrm flipH="1">
-            <a:off x="4349422" y="3093629"/>
+            <a:off x="4705326" y="2828835"/>
             <a:ext cx="3436667" cy="1200329"/>
           </a:xfrm>
           <a:prstGeom prst="rect">
@@ -3862,7 +3978,7 @@
           <a:graphicData uri="http://schemas.openxmlformats.org/presentationml/2006/ole">
             <mc:AlternateContent xmlns:mc="http://schemas.openxmlformats.org/markup-compatibility/2006">
               <mc:Choice xmlns:v="urn:schemas-microsoft-com:vml" Requires="v">
-                <p:oleObj spid="_x0000_s1027" name="Equation" r:id="rId3" imgW="1422360" imgH="711000" progId="Equation.DSMT4">
+                <p:oleObj spid="_x0000_s1029" name="Equation" r:id="rId3" imgW="1422360" imgH="711000" progId="Equation.DSMT4">
                   <p:embed/>
                 </p:oleObj>
               </mc:Choice>
@@ -3925,7 +4041,7 @@
           <a:graphicData uri="http://schemas.openxmlformats.org/presentationml/2006/ole">
             <mc:AlternateContent xmlns:mc="http://schemas.openxmlformats.org/markup-compatibility/2006">
               <mc:Choice xmlns:v="urn:schemas-microsoft-com:vml" Requires="v">
-                <p:oleObj spid="_x0000_s1028" name="Equation" r:id="rId5" imgW="431640" imgH="203040" progId="Equation.DSMT4">
+                <p:oleObj spid="_x0000_s1030" name="Equation" r:id="rId5" imgW="431640" imgH="203040" progId="Equation.DSMT4">
                   <p:embed/>
                 </p:oleObj>
               </mc:Choice>
@@ -4623,7 +4739,7 @@
           <a:graphicData uri="http://schemas.openxmlformats.org/presentationml/2006/ole">
             <mc:AlternateContent xmlns:mc="http://schemas.openxmlformats.org/markup-compatibility/2006">
               <mc:Choice xmlns:v="urn:schemas-microsoft-com:vml" Requires="v">
-                <p:oleObj spid="_x0000_s2053" name="Equation" r:id="rId3" imgW="1498320" imgH="736560" progId="Equation.DSMT4">
+                <p:oleObj spid="_x0000_s2055" name="Equation" r:id="rId3" imgW="1498320" imgH="736560" progId="Equation.DSMT4">
                   <p:embed/>
                 </p:oleObj>
               </mc:Choice>
@@ -4692,7 +4808,7 @@
           <a:graphicData uri="http://schemas.openxmlformats.org/presentationml/2006/ole">
             <mc:AlternateContent xmlns:mc="http://schemas.openxmlformats.org/markup-compatibility/2006">
               <mc:Choice xmlns:v="urn:schemas-microsoft-com:vml" Requires="v">
-                <p:oleObj spid="_x0000_s2054" name="Equation" r:id="rId5" imgW="444240" imgH="723600" progId="Equation.DSMT4">
+                <p:oleObj spid="_x0000_s2056" name="Equation" r:id="rId5" imgW="444240" imgH="723600" progId="Equation.DSMT4">
                   <p:embed/>
                 </p:oleObj>
               </mc:Choice>
@@ -4906,7 +5022,7 @@
           <a:graphicData uri="http://schemas.openxmlformats.org/presentationml/2006/ole">
             <mc:AlternateContent xmlns:mc="http://schemas.openxmlformats.org/markup-compatibility/2006">
               <mc:Choice xmlns:v="urn:schemas-microsoft-com:vml" Requires="v">
-                <p:oleObj spid="_x0000_s3077" name="Equation" r:id="rId3" imgW="1498320" imgH="482400" progId="Equation.DSMT4">
+                <p:oleObj spid="_x0000_s3079" name="Equation" r:id="rId3" imgW="1498320" imgH="482400" progId="Equation.DSMT4">
                   <p:embed/>
                 </p:oleObj>
               </mc:Choice>
@@ -4975,7 +5091,7 @@
           <a:graphicData uri="http://schemas.openxmlformats.org/presentationml/2006/ole">
             <mc:AlternateContent xmlns:mc="http://schemas.openxmlformats.org/markup-compatibility/2006">
               <mc:Choice xmlns:v="urn:schemas-microsoft-com:vml" Requires="v">
-                <p:oleObj spid="_x0000_s3078" name="Equation" r:id="rId5" imgW="444240" imgH="723600" progId="Equation.DSMT4">
+                <p:oleObj spid="_x0000_s3080" name="Equation" r:id="rId5" imgW="444240" imgH="723600" progId="Equation.DSMT4">
                   <p:embed/>
                 </p:oleObj>
               </mc:Choice>
